--- a/homework/assignment3/presentation/Yan_yand1.pptx
+++ b/homework/assignment3/presentation/Yan_yand1.pptx
@@ -16,7 +16,8 @@
     <p:sldId id="265" r:id="rId10"/>
     <p:sldId id="266" r:id="rId11"/>
     <p:sldId id="267" r:id="rId12"/>
-    <p:sldId id="261" r:id="rId13"/>
+    <p:sldId id="268" r:id="rId13"/>
+    <p:sldId id="261" r:id="rId14"/>
   </p:sldIdLst>
   <p:sldSz cx="12192000" cy="6858000"/>
   <p:notesSz cx="6858000" cy="9144000"/>
@@ -115,6 +116,11 @@
       </a:defRPr>
     </a:lvl9pPr>
   </p:defaultTextStyle>
+  <p:extLst>
+    <p:ext uri="{EFAFB233-063F-42B5-8137-9DF3F51BA10A}">
+      <p15:sldGuideLst xmlns:p15="http://schemas.microsoft.com/office/powerpoint/2012/main"/>
+    </p:ext>
+  </p:extLst>
 </p:presentation>
 </file>
 
@@ -265,7 +271,7 @@
           <a:p>
             <a:fld id="{8109C78E-3EA6-400C-B249-6FEB538A3DA1}" type="datetimeFigureOut">
               <a:rPr lang="en-US" smtClean="0"/>
-              <a:t>3/7/2020</a:t>
+              <a:t>3/8/2020</a:t>
             </a:fld>
             <a:endParaRPr lang="en-US"/>
           </a:p>
@@ -463,7 +469,7 @@
           <a:p>
             <a:fld id="{8109C78E-3EA6-400C-B249-6FEB538A3DA1}" type="datetimeFigureOut">
               <a:rPr lang="en-US" smtClean="0"/>
-              <a:t>3/7/2020</a:t>
+              <a:t>3/8/2020</a:t>
             </a:fld>
             <a:endParaRPr lang="en-US"/>
           </a:p>
@@ -671,7 +677,7 @@
           <a:p>
             <a:fld id="{8109C78E-3EA6-400C-B249-6FEB538A3DA1}" type="datetimeFigureOut">
               <a:rPr lang="en-US" smtClean="0"/>
-              <a:t>3/7/2020</a:t>
+              <a:t>3/8/2020</a:t>
             </a:fld>
             <a:endParaRPr lang="en-US"/>
           </a:p>
@@ -869,7 +875,7 @@
           <a:p>
             <a:fld id="{8109C78E-3EA6-400C-B249-6FEB538A3DA1}" type="datetimeFigureOut">
               <a:rPr lang="en-US" smtClean="0"/>
-              <a:t>3/7/2020</a:t>
+              <a:t>3/8/2020</a:t>
             </a:fld>
             <a:endParaRPr lang="en-US"/>
           </a:p>
@@ -1144,7 +1150,7 @@
           <a:p>
             <a:fld id="{8109C78E-3EA6-400C-B249-6FEB538A3DA1}" type="datetimeFigureOut">
               <a:rPr lang="en-US" smtClean="0"/>
-              <a:t>3/7/2020</a:t>
+              <a:t>3/8/2020</a:t>
             </a:fld>
             <a:endParaRPr lang="en-US"/>
           </a:p>
@@ -1409,7 +1415,7 @@
           <a:p>
             <a:fld id="{8109C78E-3EA6-400C-B249-6FEB538A3DA1}" type="datetimeFigureOut">
               <a:rPr lang="en-US" smtClean="0"/>
-              <a:t>3/7/2020</a:t>
+              <a:t>3/8/2020</a:t>
             </a:fld>
             <a:endParaRPr lang="en-US"/>
           </a:p>
@@ -1821,7 +1827,7 @@
           <a:p>
             <a:fld id="{8109C78E-3EA6-400C-B249-6FEB538A3DA1}" type="datetimeFigureOut">
               <a:rPr lang="en-US" smtClean="0"/>
-              <a:t>3/7/2020</a:t>
+              <a:t>3/8/2020</a:t>
             </a:fld>
             <a:endParaRPr lang="en-US"/>
           </a:p>
@@ -1962,7 +1968,7 @@
           <a:p>
             <a:fld id="{8109C78E-3EA6-400C-B249-6FEB538A3DA1}" type="datetimeFigureOut">
               <a:rPr lang="en-US" smtClean="0"/>
-              <a:t>3/7/2020</a:t>
+              <a:t>3/8/2020</a:t>
             </a:fld>
             <a:endParaRPr lang="en-US"/>
           </a:p>
@@ -2075,7 +2081,7 @@
           <a:p>
             <a:fld id="{8109C78E-3EA6-400C-B249-6FEB538A3DA1}" type="datetimeFigureOut">
               <a:rPr lang="en-US" smtClean="0"/>
-              <a:t>3/7/2020</a:t>
+              <a:t>3/8/2020</a:t>
             </a:fld>
             <a:endParaRPr lang="en-US"/>
           </a:p>
@@ -2386,7 +2392,7 @@
           <a:p>
             <a:fld id="{8109C78E-3EA6-400C-B249-6FEB538A3DA1}" type="datetimeFigureOut">
               <a:rPr lang="en-US" smtClean="0"/>
-              <a:t>3/7/2020</a:t>
+              <a:t>3/8/2020</a:t>
             </a:fld>
             <a:endParaRPr lang="en-US"/>
           </a:p>
@@ -2674,7 +2680,7 @@
           <a:p>
             <a:fld id="{8109C78E-3EA6-400C-B249-6FEB538A3DA1}" type="datetimeFigureOut">
               <a:rPr lang="en-US" smtClean="0"/>
-              <a:t>3/7/2020</a:t>
+              <a:t>3/8/2020</a:t>
             </a:fld>
             <a:endParaRPr lang="en-US"/>
           </a:p>
@@ -2915,7 +2921,7 @@
           <a:p>
             <a:fld id="{8109C78E-3EA6-400C-B249-6FEB538A3DA1}" type="datetimeFigureOut">
               <a:rPr lang="en-US" smtClean="0"/>
-              <a:t>3/7/2020</a:t>
+              <a:t>3/8/2020</a:t>
             </a:fld>
             <a:endParaRPr lang="en-US"/>
           </a:p>
@@ -3537,7 +3543,10 @@
           <a:bodyPr/>
           <a:lstStyle/>
           <a:p>
-            <a:endParaRPr lang="en-US"/>
+            <a:r>
+              <a:rPr lang="en-US" dirty="0"/>
+              <a:t>Hyperparameters</a:t>
+            </a:r>
           </a:p>
         </p:txBody>
       </p:sp>
@@ -3562,7 +3571,51 @@
           <a:bodyPr/>
           <a:lstStyle/>
           <a:p>
-            <a:endParaRPr lang="en-US"/>
+            <a:r>
+              <a:rPr lang="en-US" dirty="0"/>
+              <a:t>Epochs: 15 with early stopping</a:t>
+            </a:r>
+          </a:p>
+          <a:p>
+            <a:r>
+              <a:rPr lang="en-US" dirty="0"/>
+              <a:t>Batch Size: 8</a:t>
+            </a:r>
+          </a:p>
+          <a:p>
+            <a:r>
+              <a:rPr lang="en-US" dirty="0"/>
+              <a:t>Learning Rate: 0.001 (Adam Default)</a:t>
+            </a:r>
+          </a:p>
+          <a:p>
+            <a:r>
+              <a:rPr lang="en-US" dirty="0"/>
+              <a:t>Loss Function: Binary Cross Entropy with Logits</a:t>
+            </a:r>
+          </a:p>
+          <a:p>
+            <a:r>
+              <a:rPr lang="en-US" dirty="0"/>
+              <a:t>Optimizer: Adam</a:t>
+            </a:r>
+          </a:p>
+          <a:p>
+            <a:r>
+              <a:rPr lang="en-US" dirty="0"/>
+              <a:t>GPU: Google </a:t>
+            </a:r>
+            <a:r>
+              <a:rPr lang="en-US" dirty="0" err="1"/>
+              <a:t>Colab</a:t>
+            </a:r>
+            <a:r>
+              <a:rPr lang="en-US" dirty="0"/>
+              <a:t> (Nvidia K80s, T4s, P4s and P100s are all present)</a:t>
+            </a:r>
+          </a:p>
+          <a:p>
+            <a:endParaRPr lang="en-US" dirty="0"/>
           </a:p>
         </p:txBody>
       </p:sp>
@@ -3601,6 +3654,140 @@
           <p:cNvPr id="2" name="Title 1">
             <a:extLst>
               <a:ext uri="{FF2B5EF4-FFF2-40B4-BE49-F238E27FC236}">
+                <a16:creationId xmlns:a16="http://schemas.microsoft.com/office/drawing/2014/main" id="{65A4B147-C1EE-4552-A606-E72BC4414E92}"/>
+              </a:ext>
+            </a:extLst>
+          </p:cNvPr>
+          <p:cNvSpPr>
+            <a:spLocks noGrp="1"/>
+          </p:cNvSpPr>
+          <p:nvPr>
+            <p:ph type="title"/>
+          </p:nvPr>
+        </p:nvSpPr>
+        <p:spPr/>
+        <p:txBody>
+          <a:bodyPr/>
+          <a:lstStyle/>
+          <a:p>
+            <a:r>
+              <a:rPr lang="en-US" dirty="0"/>
+              <a:t>Conclusions</a:t>
+            </a:r>
+          </a:p>
+        </p:txBody>
+      </p:sp>
+      <p:sp>
+        <p:nvSpPr>
+          <p:cNvPr id="3" name="Content Placeholder 2">
+            <a:extLst>
+              <a:ext uri="{FF2B5EF4-FFF2-40B4-BE49-F238E27FC236}">
+                <a16:creationId xmlns:a16="http://schemas.microsoft.com/office/drawing/2014/main" id="{8F044D0A-456B-4CD1-8621-976D296D6F5D}"/>
+              </a:ext>
+            </a:extLst>
+          </p:cNvPr>
+          <p:cNvSpPr>
+            <a:spLocks noGrp="1"/>
+          </p:cNvSpPr>
+          <p:nvPr>
+            <p:ph idx="1"/>
+          </p:nvPr>
+        </p:nvSpPr>
+        <p:spPr/>
+        <p:txBody>
+          <a:bodyPr/>
+          <a:lstStyle/>
+          <a:p>
+            <a:r>
+              <a:rPr lang="en-US" dirty="0"/>
+              <a:t>Limitations:</a:t>
+            </a:r>
+          </a:p>
+          <a:p>
+            <a:pPr lvl="1"/>
+            <a:r>
+              <a:rPr lang="en-US" dirty="0"/>
+              <a:t>Lack of Domain Knowledge</a:t>
+            </a:r>
+          </a:p>
+          <a:p>
+            <a:pPr lvl="1"/>
+            <a:r>
+              <a:rPr lang="en-US" dirty="0"/>
+              <a:t>Small Validation Set (likely overfit </a:t>
+            </a:r>
+            <a:r>
+              <a:rPr lang="en-US"/>
+              <a:t>validation set)</a:t>
+            </a:r>
+            <a:endParaRPr lang="en-US" dirty="0"/>
+          </a:p>
+          <a:p>
+            <a:r>
+              <a:rPr lang="en-US" dirty="0"/>
+              <a:t>Future Ideas</a:t>
+            </a:r>
+          </a:p>
+          <a:p>
+            <a:pPr lvl="1"/>
+            <a:r>
+              <a:rPr lang="en-US" dirty="0"/>
+              <a:t>Fine tuning failed registrations</a:t>
+            </a:r>
+          </a:p>
+          <a:p>
+            <a:pPr lvl="1"/>
+            <a:r>
+              <a:rPr lang="en-US" dirty="0"/>
+              <a:t>Postprocessing: Largest connected component, smoothing, </a:t>
+            </a:r>
+            <a:r>
+              <a:rPr lang="en-US" dirty="0" err="1"/>
+              <a:t>etc</a:t>
+            </a:r>
+            <a:endParaRPr lang="en-US" dirty="0"/>
+          </a:p>
+          <a:p>
+            <a:pPr lvl="1"/>
+            <a:endParaRPr lang="en-US" dirty="0"/>
+          </a:p>
+        </p:txBody>
+      </p:sp>
+    </p:spTree>
+    <p:extLst>
+      <p:ext uri="{BB962C8B-B14F-4D97-AF65-F5344CB8AC3E}">
+        <p14:creationId xmlns:p14="http://schemas.microsoft.com/office/powerpoint/2010/main" val="2280867181"/>
+      </p:ext>
+    </p:extLst>
+  </p:cSld>
+  <p:clrMapOvr>
+    <a:masterClrMapping/>
+  </p:clrMapOvr>
+</p:sld>
+</file>
+
+<file path=ppt/slides/slide13.xml><?xml version="1.0" encoding="utf-8"?>
+<p:sld xmlns:a="http://schemas.openxmlformats.org/drawingml/2006/main" xmlns:r="http://schemas.openxmlformats.org/officeDocument/2006/relationships" xmlns:p="http://schemas.openxmlformats.org/presentationml/2006/main">
+  <p:cSld>
+    <p:spTree>
+      <p:nvGrpSpPr>
+        <p:cNvPr id="1" name=""/>
+        <p:cNvGrpSpPr/>
+        <p:nvPr/>
+      </p:nvGrpSpPr>
+      <p:grpSpPr>
+        <a:xfrm>
+          <a:off x="0" y="0"/>
+          <a:ext cx="0" cy="0"/>
+          <a:chOff x="0" y="0"/>
+          <a:chExt cx="0" cy="0"/>
+        </a:xfrm>
+      </p:grpSpPr>
+      <p:sp>
+        <p:nvSpPr>
+          <p:cNvPr id="2" name="Title 1">
+            <a:extLst>
+              <a:ext uri="{FF2B5EF4-FFF2-40B4-BE49-F238E27FC236}">
                 <a16:creationId xmlns:a16="http://schemas.microsoft.com/office/drawing/2014/main" id="{2AD5E237-FE2C-43B8-AE67-4CB40235828E}"/>
               </a:ext>
             </a:extLst>
@@ -3868,7 +4055,7 @@
           <a:p>
             <a:r>
               <a:rPr lang="en-US" dirty="0"/>
-              <a:t>Large memory usage for 2D meant 3D would have been even more difficult </a:t>
+              <a:t>Large memory usage and amount of time needed for 2D meant 3D would have been even more time consuming/smaller batch size</a:t>
             </a:r>
           </a:p>
         </p:txBody>
@@ -4414,31 +4601,41 @@
           </a:p>
         </p:txBody>
       </p:sp>
-      <p:sp>
-        <p:nvSpPr>
-          <p:cNvPr id="3" name="Content Placeholder 2">
-            <a:extLst>
-              <a:ext uri="{FF2B5EF4-FFF2-40B4-BE49-F238E27FC236}">
-                <a16:creationId xmlns:a16="http://schemas.microsoft.com/office/drawing/2014/main" id="{11DE3D28-DF83-4E14-A27F-1EE4D89B1C0A}"/>
-              </a:ext>
-            </a:extLst>
-          </p:cNvPr>
-          <p:cNvSpPr>
-            <a:spLocks noGrp="1"/>
-          </p:cNvSpPr>
+      <p:pic>
+        <p:nvPicPr>
+          <p:cNvPr id="5" name="Content Placeholder 4">
+            <a:extLst>
+              <a:ext uri="{FF2B5EF4-FFF2-40B4-BE49-F238E27FC236}">
+                <a16:creationId xmlns:a16="http://schemas.microsoft.com/office/drawing/2014/main" id="{28CCC244-33FB-4402-B31C-64575D41519B}"/>
+              </a:ext>
+            </a:extLst>
+          </p:cNvPr>
+          <p:cNvPicPr>
+            <a:picLocks noGrp="1" noChangeAspect="1"/>
+          </p:cNvPicPr>
           <p:nvPr>
             <p:ph idx="1"/>
           </p:nvPr>
-        </p:nvSpPr>
-        <p:spPr/>
-        <p:txBody>
-          <a:bodyPr/>
-          <a:lstStyle/>
-          <a:p>
-            <a:endParaRPr lang="en-US"/>
-          </a:p>
-        </p:txBody>
-      </p:sp>
+        </p:nvPicPr>
+        <p:blipFill>
+          <a:blip r:embed="rId2">
+            <a:extLst>
+              <a:ext uri="{28A0092B-C50C-407E-A947-70E740481C1C}">
+                <a14:useLocalDpi xmlns:a14="http://schemas.microsoft.com/office/drawing/2010/main" val="0"/>
+              </a:ext>
+            </a:extLst>
+          </a:blip>
+          <a:stretch>
+            <a:fillRect/>
+          </a:stretch>
+        </p:blipFill>
+        <p:spPr>
+          <a:xfrm>
+            <a:off x="838200" y="1378456"/>
+            <a:ext cx="6819225" cy="5114419"/>
+          </a:xfrm>
+        </p:spPr>
+      </p:pic>
     </p:spTree>
     <p:extLst>
       <p:ext uri="{BB962C8B-B14F-4D97-AF65-F5344CB8AC3E}">
